--- a/matrixfigs4musdespaper.pptx
+++ b/matrixfigs4musdespaper.pptx
@@ -263,7 +263,7 @@
           <a:p>
             <a:fld id="{79BEE396-5DDC-436F-87EB-39A8E45CDBA5}" type="datetimeFigureOut">
               <a:rPr lang="en-US" smtClean="0"/>
-              <a:t>5/5/2021</a:t>
+              <a:t>6/1/2021</a:t>
             </a:fld>
             <a:endParaRPr lang="en-US"/>
           </a:p>
@@ -433,7 +433,7 @@
           <a:p>
             <a:fld id="{79BEE396-5DDC-436F-87EB-39A8E45CDBA5}" type="datetimeFigureOut">
               <a:rPr lang="en-US" smtClean="0"/>
-              <a:t>5/5/2021</a:t>
+              <a:t>6/1/2021</a:t>
             </a:fld>
             <a:endParaRPr lang="en-US"/>
           </a:p>
@@ -613,7 +613,7 @@
           <a:p>
             <a:fld id="{79BEE396-5DDC-436F-87EB-39A8E45CDBA5}" type="datetimeFigureOut">
               <a:rPr lang="en-US" smtClean="0"/>
-              <a:t>5/5/2021</a:t>
+              <a:t>6/1/2021</a:t>
             </a:fld>
             <a:endParaRPr lang="en-US"/>
           </a:p>
@@ -783,7 +783,7 @@
           <a:p>
             <a:fld id="{79BEE396-5DDC-436F-87EB-39A8E45CDBA5}" type="datetimeFigureOut">
               <a:rPr lang="en-US" smtClean="0"/>
-              <a:t>5/5/2021</a:t>
+              <a:t>6/1/2021</a:t>
             </a:fld>
             <a:endParaRPr lang="en-US"/>
           </a:p>
@@ -1029,7 +1029,7 @@
           <a:p>
             <a:fld id="{79BEE396-5DDC-436F-87EB-39A8E45CDBA5}" type="datetimeFigureOut">
               <a:rPr lang="en-US" smtClean="0"/>
-              <a:t>5/5/2021</a:t>
+              <a:t>6/1/2021</a:t>
             </a:fld>
             <a:endParaRPr lang="en-US"/>
           </a:p>
@@ -1261,7 +1261,7 @@
           <a:p>
             <a:fld id="{79BEE396-5DDC-436F-87EB-39A8E45CDBA5}" type="datetimeFigureOut">
               <a:rPr lang="en-US" smtClean="0"/>
-              <a:t>5/5/2021</a:t>
+              <a:t>6/1/2021</a:t>
             </a:fld>
             <a:endParaRPr lang="en-US"/>
           </a:p>
@@ -1628,7 +1628,7 @@
           <a:p>
             <a:fld id="{79BEE396-5DDC-436F-87EB-39A8E45CDBA5}" type="datetimeFigureOut">
               <a:rPr lang="en-US" smtClean="0"/>
-              <a:t>5/5/2021</a:t>
+              <a:t>6/1/2021</a:t>
             </a:fld>
             <a:endParaRPr lang="en-US"/>
           </a:p>
@@ -1746,7 +1746,7 @@
           <a:p>
             <a:fld id="{79BEE396-5DDC-436F-87EB-39A8E45CDBA5}" type="datetimeFigureOut">
               <a:rPr lang="en-US" smtClean="0"/>
-              <a:t>5/5/2021</a:t>
+              <a:t>6/1/2021</a:t>
             </a:fld>
             <a:endParaRPr lang="en-US"/>
           </a:p>
@@ -1841,7 +1841,7 @@
           <a:p>
             <a:fld id="{79BEE396-5DDC-436F-87EB-39A8E45CDBA5}" type="datetimeFigureOut">
               <a:rPr lang="en-US" smtClean="0"/>
-              <a:t>5/5/2021</a:t>
+              <a:t>6/1/2021</a:t>
             </a:fld>
             <a:endParaRPr lang="en-US"/>
           </a:p>
@@ -2118,7 +2118,7 @@
           <a:p>
             <a:fld id="{79BEE396-5DDC-436F-87EB-39A8E45CDBA5}" type="datetimeFigureOut">
               <a:rPr lang="en-US" smtClean="0"/>
-              <a:t>5/5/2021</a:t>
+              <a:t>6/1/2021</a:t>
             </a:fld>
             <a:endParaRPr lang="en-US"/>
           </a:p>
@@ -2375,7 +2375,7 @@
           <a:p>
             <a:fld id="{79BEE396-5DDC-436F-87EB-39A8E45CDBA5}" type="datetimeFigureOut">
               <a:rPr lang="en-US" smtClean="0"/>
-              <a:t>5/5/2021</a:t>
+              <a:t>6/1/2021</a:t>
             </a:fld>
             <a:endParaRPr lang="en-US"/>
           </a:p>
@@ -2588,7 +2588,7 @@
           <a:p>
             <a:fld id="{79BEE396-5DDC-436F-87EB-39A8E45CDBA5}" type="datetimeFigureOut">
               <a:rPr lang="en-US" smtClean="0"/>
-              <a:t>5/5/2021</a:t>
+              <a:t>6/1/2021</a:t>
             </a:fld>
             <a:endParaRPr lang="en-US"/>
           </a:p>
@@ -6393,9 +6393,9 @@
         <p:grpSpPr>
           <a:xfrm>
             <a:off x="9767221" y="697161"/>
-            <a:ext cx="31800152" cy="21516709"/>
+            <a:ext cx="31800152" cy="21755244"/>
             <a:chOff x="9767221" y="697161"/>
-            <a:chExt cx="31800152" cy="21516709"/>
+            <a:chExt cx="31800152" cy="21755244"/>
           </a:xfrm>
         </p:grpSpPr>
         <p:sp>
@@ -7229,10 +7229,10 @@
           </p:nvGrpSpPr>
           <p:grpSpPr>
             <a:xfrm>
-              <a:off x="22102597" y="16965973"/>
-              <a:ext cx="6303300" cy="5247897"/>
-              <a:chOff x="19797410" y="17985447"/>
-              <a:chExt cx="7958606" cy="6725658"/>
+              <a:off x="22102597" y="17204513"/>
+              <a:ext cx="6303300" cy="5247892"/>
+              <a:chOff x="19797410" y="18291165"/>
+              <a:chExt cx="7958606" cy="6725653"/>
             </a:xfrm>
           </p:grpSpPr>
           <p:grpSp>
@@ -7249,10 +7249,10 @@
             </p:nvGrpSpPr>
             <p:grpSpPr>
               <a:xfrm>
-                <a:off x="20653198" y="18842561"/>
-                <a:ext cx="7102818" cy="5843066"/>
-                <a:chOff x="21893700" y="19881391"/>
-                <a:chExt cx="7102818" cy="5843066"/>
+                <a:off x="20653199" y="19148272"/>
+                <a:ext cx="7102816" cy="5843070"/>
+                <a:chOff x="21893701" y="20187102"/>
+                <a:chExt cx="7102816" cy="5843070"/>
               </a:xfrm>
             </p:grpSpPr>
             <p:sp>
@@ -7269,8 +7269,8 @@
               </p:nvSpPr>
               <p:spPr>
                 <a:xfrm rot="5400000">
-                  <a:off x="20728822" y="21046269"/>
-                  <a:ext cx="5843065" cy="3513309"/>
+                  <a:off x="20728822" y="21351981"/>
+                  <a:ext cx="5843067" cy="3513309"/>
                 </a:xfrm>
                 <a:prstGeom prst="rect">
                   <a:avLst/>
@@ -7329,7 +7329,7 @@
               </p:nvSpPr>
               <p:spPr>
                 <a:xfrm rot="5400000">
-                  <a:off x="24318331" y="21046270"/>
+                  <a:off x="24318330" y="21351985"/>
                   <a:ext cx="5843065" cy="3513309"/>
                 </a:xfrm>
                 <a:prstGeom prst="rect">
@@ -7390,8 +7390,8 @@
             </p:nvSpPr>
             <p:spPr>
               <a:xfrm rot="16200000">
-                <a:off x="17199043" y="21466407"/>
-                <a:ext cx="5843065" cy="646331"/>
+                <a:off x="17199043" y="21772119"/>
+                <a:ext cx="5843066" cy="646331"/>
               </a:xfrm>
               <a:prstGeom prst="rect">
                 <a:avLst/>
@@ -7430,7 +7430,7 @@
             </p:nvSpPr>
             <p:spPr>
               <a:xfrm>
-                <a:off x="20691298" y="18032694"/>
+                <a:off x="20691298" y="18338412"/>
                 <a:ext cx="3513310" cy="646331"/>
               </a:xfrm>
               <a:prstGeom prst="rect">
@@ -7475,7 +7475,7 @@
             </p:nvSpPr>
             <p:spPr>
               <a:xfrm>
-                <a:off x="24242706" y="17985447"/>
+                <a:off x="24242706" y="18291165"/>
                 <a:ext cx="3513310" cy="646331"/>
               </a:xfrm>
               <a:prstGeom prst="rect">
@@ -7520,7 +7520,7 @@
             </p:nvSpPr>
             <p:spPr>
               <a:xfrm>
-                <a:off x="21607861" y="21040818"/>
+                <a:off x="21607861" y="21346531"/>
                 <a:ext cx="1789943" cy="1538331"/>
               </a:xfrm>
               <a:prstGeom prst="rect">
@@ -7568,8 +7568,8 @@
             </p:nvSpPr>
             <p:spPr>
               <a:xfrm>
-                <a:off x="24955284" y="21066297"/>
-                <a:ext cx="1939048" cy="1538331"/>
+                <a:off x="24955284" y="21372009"/>
+                <a:ext cx="1939047" cy="1538331"/>
               </a:xfrm>
               <a:prstGeom prst="rect">
                 <a:avLst/>
@@ -10105,96 +10105,6 @@
         </p:cxnSp>
         <p:sp>
           <p:nvSpPr>
-            <p:cNvPr id="187" name="TextBox 186">
-              <a:extLst>
-                <a:ext uri="{FF2B5EF4-FFF2-40B4-BE49-F238E27FC236}">
-                  <a16:creationId xmlns:a16="http://schemas.microsoft.com/office/drawing/2014/main" id="{CE3F18D1-C269-4BC9-BCE6-FF61AE609EF6}"/>
-                </a:ext>
-              </a:extLst>
-            </p:cNvPr>
-            <p:cNvSpPr txBox="1"/>
-            <p:nvPr/>
-          </p:nvSpPr>
-          <p:spPr>
-            <a:xfrm>
-              <a:off x="23935339" y="8133463"/>
-              <a:ext cx="3488123" cy="1200329"/>
-            </a:xfrm>
-            <a:prstGeom prst="rect">
-              <a:avLst/>
-            </a:prstGeom>
-            <a:noFill/>
-          </p:spPr>
-          <p:txBody>
-            <a:bodyPr wrap="square" rtlCol="0">
-              <a:spAutoFit/>
-            </a:bodyPr>
-            <a:lstStyle/>
-            <a:p>
-              <a:pPr algn="ctr"/>
-              <a:r>
-                <a:rPr lang="en-US" sz="7200" b="1" dirty="0">
-                  <a:solidFill>
-                    <a:srgbClr val="401B5B"/>
-                  </a:solidFill>
-                </a:rPr>
-                <a:t>To MFA</a:t>
-              </a:r>
-              <a:endParaRPr lang="en-US" sz="8800" baseline="30000" dirty="0">
-                <a:solidFill>
-                  <a:srgbClr val="401B5B"/>
-                </a:solidFill>
-              </a:endParaRPr>
-            </a:p>
-          </p:txBody>
-        </p:sp>
-        <p:sp>
-          <p:nvSpPr>
-            <p:cNvPr id="188" name="TextBox 187">
-              <a:extLst>
-                <a:ext uri="{FF2B5EF4-FFF2-40B4-BE49-F238E27FC236}">
-                  <a16:creationId xmlns:a16="http://schemas.microsoft.com/office/drawing/2014/main" id="{D410A963-E887-411C-832B-FE9B41C3D5E2}"/>
-                </a:ext>
-              </a:extLst>
-            </p:cNvPr>
-            <p:cNvSpPr txBox="1"/>
-            <p:nvPr/>
-          </p:nvSpPr>
-          <p:spPr>
-            <a:xfrm>
-              <a:off x="23859139" y="14710920"/>
-              <a:ext cx="3488123" cy="1200329"/>
-            </a:xfrm>
-            <a:prstGeom prst="rect">
-              <a:avLst/>
-            </a:prstGeom>
-            <a:noFill/>
-          </p:spPr>
-          <p:txBody>
-            <a:bodyPr wrap="square" rtlCol="0">
-              <a:spAutoFit/>
-            </a:bodyPr>
-            <a:lstStyle/>
-            <a:p>
-              <a:pPr algn="ctr"/>
-              <a:r>
-                <a:rPr lang="en-US" sz="7200" b="1" dirty="0">
-                  <a:solidFill>
-                    <a:srgbClr val="401B5B"/>
-                  </a:solidFill>
-                </a:rPr>
-                <a:t>To MFA</a:t>
-              </a:r>
-              <a:endParaRPr lang="en-US" sz="8800" baseline="30000" dirty="0">
-                <a:solidFill>
-                  <a:srgbClr val="401B5B"/>
-                </a:solidFill>
-              </a:endParaRPr>
-            </a:p>
-          </p:txBody>
-        </p:sp>
-        <p:sp>
-          <p:nvSpPr>
             <p:cNvPr id="2" name="Left Brace 1">
               <a:extLst>
                 <a:ext uri="{FF2B5EF4-FFF2-40B4-BE49-F238E27FC236}">
@@ -10207,7 +10117,7 @@
           </p:nvSpPr>
           <p:spPr>
             <a:xfrm rot="5400000">
-              <a:off x="25162462" y="13906735"/>
+              <a:off x="25162462" y="14145277"/>
               <a:ext cx="1009671" cy="5625510"/>
             </a:xfrm>
             <a:prstGeom prst="leftBrace">
@@ -10242,6 +10152,54 @@
             <a:p>
               <a:pPr algn="ctr"/>
               <a:endParaRPr lang="en-US"/>
+            </a:p>
+          </p:txBody>
+        </p:sp>
+        <p:sp>
+          <p:nvSpPr>
+            <p:cNvPr id="188" name="TextBox 187">
+              <a:extLst>
+                <a:ext uri="{FF2B5EF4-FFF2-40B4-BE49-F238E27FC236}">
+                  <a16:creationId xmlns:a16="http://schemas.microsoft.com/office/drawing/2014/main" id="{D410A963-E887-411C-832B-FE9B41C3D5E2}"/>
+                </a:ext>
+              </a:extLst>
+            </p:cNvPr>
+            <p:cNvSpPr txBox="1"/>
+            <p:nvPr/>
+          </p:nvSpPr>
+          <p:spPr>
+            <a:xfrm>
+              <a:off x="20254623" y="15065561"/>
+              <a:ext cx="10776668" cy="1015663"/>
+            </a:xfrm>
+            <a:prstGeom prst="rect">
+              <a:avLst/>
+            </a:prstGeom>
+            <a:noFill/>
+            <a:ln>
+              <a:noFill/>
+            </a:ln>
+          </p:spPr>
+          <p:txBody>
+            <a:bodyPr wrap="square" rtlCol="0">
+              <a:spAutoFit/>
+            </a:bodyPr>
+            <a:lstStyle/>
+            <a:p>
+              <a:pPr algn="ctr"/>
+              <a:r>
+                <a:rPr lang="en-US" sz="6000" b="1" dirty="0">
+                  <a:solidFill>
+                    <a:srgbClr val="401B5B"/>
+                  </a:solidFill>
+                </a:rPr>
+                <a:t>To MFA: Adjectives perspective</a:t>
+              </a:r>
+              <a:endParaRPr lang="en-US" sz="7200" baseline="30000" dirty="0">
+                <a:solidFill>
+                  <a:srgbClr val="401B5B"/>
+                </a:solidFill>
+              </a:endParaRPr>
             </a:p>
           </p:txBody>
         </p:sp>
@@ -10294,6 +10252,54 @@
             <a:p>
               <a:pPr algn="ctr"/>
               <a:endParaRPr lang="en-US"/>
+            </a:p>
+          </p:txBody>
+        </p:sp>
+        <p:sp>
+          <p:nvSpPr>
+            <p:cNvPr id="187" name="TextBox 186">
+              <a:extLst>
+                <a:ext uri="{FF2B5EF4-FFF2-40B4-BE49-F238E27FC236}">
+                  <a16:creationId xmlns:a16="http://schemas.microsoft.com/office/drawing/2014/main" id="{CE3F18D1-C269-4BC9-BCE6-FF61AE609EF6}"/>
+                </a:ext>
+              </a:extLst>
+            </p:cNvPr>
+            <p:cNvSpPr txBox="1"/>
+            <p:nvPr/>
+          </p:nvSpPr>
+          <p:spPr>
+            <a:xfrm>
+              <a:off x="20214866" y="8391101"/>
+              <a:ext cx="10776668" cy="1015663"/>
+            </a:xfrm>
+            <a:prstGeom prst="rect">
+              <a:avLst/>
+            </a:prstGeom>
+            <a:noFill/>
+            <a:ln>
+              <a:noFill/>
+            </a:ln>
+          </p:spPr>
+          <p:txBody>
+            <a:bodyPr wrap="square" rtlCol="0">
+              <a:spAutoFit/>
+            </a:bodyPr>
+            <a:lstStyle/>
+            <a:p>
+              <a:pPr algn="ctr"/>
+              <a:r>
+                <a:rPr lang="en-US" sz="6000" b="1" dirty="0">
+                  <a:solidFill>
+                    <a:srgbClr val="401B5B"/>
+                  </a:solidFill>
+                </a:rPr>
+                <a:t>To MFA: Excerpts perspective</a:t>
+              </a:r>
+              <a:endParaRPr lang="en-US" sz="7200" baseline="30000" dirty="0">
+                <a:solidFill>
+                  <a:srgbClr val="401B5B"/>
+                </a:solidFill>
+              </a:endParaRPr>
             </a:p>
           </p:txBody>
         </p:sp>
